--- a/RA03/Powerpoint/Status Report.pptx
+++ b/RA03/Powerpoint/Status Report.pptx
@@ -283,7 +283,7 @@
           <a:p>
             <a:fld id="{9A0B47AB-F2BC-4F9D-9635-A31E7D689037}" type="datetimeFigureOut">
               <a:rPr lang="pt-BR" smtClean="0"/>
-              <a:t>30/10/2024</a:t>
+              <a:t>31/10/2024</a:t>
             </a:fld>
             <a:endParaRPr lang="pt-BR"/>
           </a:p>
@@ -481,7 +481,7 @@
           <a:p>
             <a:fld id="{9A0B47AB-F2BC-4F9D-9635-A31E7D689037}" type="datetimeFigureOut">
               <a:rPr lang="pt-BR" smtClean="0"/>
-              <a:t>30/10/2024</a:t>
+              <a:t>31/10/2024</a:t>
             </a:fld>
             <a:endParaRPr lang="pt-BR"/>
           </a:p>
@@ -689,7 +689,7 @@
           <a:p>
             <a:fld id="{9A0B47AB-F2BC-4F9D-9635-A31E7D689037}" type="datetimeFigureOut">
               <a:rPr lang="pt-BR" smtClean="0"/>
-              <a:t>30/10/2024</a:t>
+              <a:t>31/10/2024</a:t>
             </a:fld>
             <a:endParaRPr lang="pt-BR"/>
           </a:p>
@@ -887,7 +887,7 @@
           <a:p>
             <a:fld id="{9A0B47AB-F2BC-4F9D-9635-A31E7D689037}" type="datetimeFigureOut">
               <a:rPr lang="pt-BR" smtClean="0"/>
-              <a:t>30/10/2024</a:t>
+              <a:t>31/10/2024</a:t>
             </a:fld>
             <a:endParaRPr lang="pt-BR"/>
           </a:p>
@@ -1162,7 +1162,7 @@
           <a:p>
             <a:fld id="{9A0B47AB-F2BC-4F9D-9635-A31E7D689037}" type="datetimeFigureOut">
               <a:rPr lang="pt-BR" smtClean="0"/>
-              <a:t>30/10/2024</a:t>
+              <a:t>31/10/2024</a:t>
             </a:fld>
             <a:endParaRPr lang="pt-BR"/>
           </a:p>
@@ -1427,7 +1427,7 @@
           <a:p>
             <a:fld id="{9A0B47AB-F2BC-4F9D-9635-A31E7D689037}" type="datetimeFigureOut">
               <a:rPr lang="pt-BR" smtClean="0"/>
-              <a:t>30/10/2024</a:t>
+              <a:t>31/10/2024</a:t>
             </a:fld>
             <a:endParaRPr lang="pt-BR"/>
           </a:p>
@@ -1839,7 +1839,7 @@
           <a:p>
             <a:fld id="{9A0B47AB-F2BC-4F9D-9635-A31E7D689037}" type="datetimeFigureOut">
               <a:rPr lang="pt-BR" smtClean="0"/>
-              <a:t>30/10/2024</a:t>
+              <a:t>31/10/2024</a:t>
             </a:fld>
             <a:endParaRPr lang="pt-BR"/>
           </a:p>
@@ -1980,7 +1980,7 @@
           <a:p>
             <a:fld id="{9A0B47AB-F2BC-4F9D-9635-A31E7D689037}" type="datetimeFigureOut">
               <a:rPr lang="pt-BR" smtClean="0"/>
-              <a:t>30/10/2024</a:t>
+              <a:t>31/10/2024</a:t>
             </a:fld>
             <a:endParaRPr lang="pt-BR"/>
           </a:p>
@@ -2093,7 +2093,7 @@
           <a:p>
             <a:fld id="{9A0B47AB-F2BC-4F9D-9635-A31E7D689037}" type="datetimeFigureOut">
               <a:rPr lang="pt-BR" smtClean="0"/>
-              <a:t>30/10/2024</a:t>
+              <a:t>31/10/2024</a:t>
             </a:fld>
             <a:endParaRPr lang="pt-BR"/>
           </a:p>
@@ -2404,7 +2404,7 @@
           <a:p>
             <a:fld id="{9A0B47AB-F2BC-4F9D-9635-A31E7D689037}" type="datetimeFigureOut">
               <a:rPr lang="pt-BR" smtClean="0"/>
-              <a:t>30/10/2024</a:t>
+              <a:t>31/10/2024</a:t>
             </a:fld>
             <a:endParaRPr lang="pt-BR"/>
           </a:p>
@@ -2692,7 +2692,7 @@
           <a:p>
             <a:fld id="{9A0B47AB-F2BC-4F9D-9635-A31E7D689037}" type="datetimeFigureOut">
               <a:rPr lang="pt-BR" smtClean="0"/>
-              <a:t>30/10/2024</a:t>
+              <a:t>31/10/2024</a:t>
             </a:fld>
             <a:endParaRPr lang="pt-BR"/>
           </a:p>
@@ -2933,7 +2933,7 @@
           <a:p>
             <a:fld id="{9A0B47AB-F2BC-4F9D-9635-A31E7D689037}" type="datetimeFigureOut">
               <a:rPr lang="pt-BR" smtClean="0"/>
-              <a:t>30/10/2024</a:t>
+              <a:t>31/10/2024</a:t>
             </a:fld>
             <a:endParaRPr lang="pt-BR"/>
           </a:p>
@@ -6439,7 +6439,7 @@
               <a:t>SPI – </a:t>
             </a:r>
             <a:r>
-              <a:rPr lang="pt-BR" sz="1200" b="1">
+              <a:rPr lang="pt-BR" sz="1200" b="1" dirty="0">
                 <a:solidFill>
                   <a:schemeClr val="bg2">
                     <a:lumMod val="25000"/>
@@ -6451,7 +6451,7 @@
               <a:t>0.4 </a:t>
             </a:r>
             <a:br>
-              <a:rPr lang="pt-BR" sz="1200" b="1">
+              <a:rPr lang="pt-BR" sz="1200" b="1" dirty="0">
                 <a:solidFill>
                   <a:schemeClr val="bg2">
                     <a:lumMod val="25000"/>
@@ -6482,10 +6482,10 @@
                 <a:latin typeface="Calibri" panose="020F0502020204030204" pitchFamily="34" charset="0"/>
                 <a:cs typeface="Calibri" panose="020F0502020204030204" pitchFamily="34" charset="0"/>
               </a:rPr>
-              <a:t>CPI </a:t>
-            </a:r>
-            <a:r>
-              <a:rPr lang="pt-BR" sz="1200">
+              <a:t>CPI – </a:t>
+            </a:r>
+            <a:r>
+              <a:rPr lang="pt-BR" sz="1200" b="1" dirty="0">
                 <a:solidFill>
                   <a:schemeClr val="bg2">
                     <a:lumMod val="25000"/>
@@ -6494,19 +6494,7 @@
                 <a:latin typeface="Calibri" panose="020F0502020204030204" pitchFamily="34" charset="0"/>
                 <a:cs typeface="Calibri" panose="020F0502020204030204" pitchFamily="34" charset="0"/>
               </a:rPr>
-              <a:t>– </a:t>
-            </a:r>
-            <a:r>
-              <a:rPr lang="pt-BR" sz="1200" b="1">
-                <a:solidFill>
-                  <a:schemeClr val="bg2">
-                    <a:lumMod val="25000"/>
-                  </a:schemeClr>
-                </a:solidFill>
-                <a:latin typeface="Calibri" panose="020F0502020204030204" pitchFamily="34" charset="0"/>
-                <a:cs typeface="Calibri" panose="020F0502020204030204" pitchFamily="34" charset="0"/>
-              </a:rPr>
-              <a:t>0.9</a:t>
+              <a:t>0.36</a:t>
             </a:r>
             <a:r>
               <a:rPr lang="pt-BR" sz="1200" dirty="0">
@@ -6571,7 +6559,7 @@
               <a:t>EAC – </a:t>
             </a:r>
             <a:r>
-              <a:rPr lang="pt-BR" sz="1200" b="1">
+              <a:rPr lang="pt-BR" sz="1200" b="1" dirty="0">
                 <a:solidFill>
                   <a:schemeClr val="bg2">
                     <a:lumMod val="25000"/>
@@ -6580,7 +6568,7 @@
                 <a:latin typeface="Calibri" panose="020F0502020204030204" pitchFamily="34" charset="0"/>
                 <a:cs typeface="Calibri" panose="020F0502020204030204" pitchFamily="34" charset="0"/>
               </a:rPr>
-              <a:t>R$ 3.333.333 </a:t>
+              <a:t>R$ 8,333,333.33</a:t>
             </a:r>
             <a:br>
               <a:rPr lang="pt-BR" sz="1200" dirty="0">
@@ -6614,10 +6602,10 @@
                 <a:latin typeface="Calibri" panose="020F0502020204030204" pitchFamily="34" charset="0"/>
                 <a:cs typeface="Calibri" panose="020F0502020204030204" pitchFamily="34" charset="0"/>
               </a:rPr>
-              <a:t>ETC  -</a:t>
-            </a:r>
-            <a:r>
-              <a:rPr lang="pt-BR" sz="1200">
+              <a:t>ETC  - </a:t>
+            </a:r>
+            <a:r>
+              <a:rPr lang="pt-BR" sz="1200" b="1" dirty="0">
                 <a:solidFill>
                   <a:schemeClr val="bg2">
                     <a:lumMod val="25000"/>
@@ -6626,31 +6614,7 @@
                 <a:latin typeface="Calibri" panose="020F0502020204030204" pitchFamily="34" charset="0"/>
                 <a:cs typeface="Calibri" panose="020F0502020204030204" pitchFamily="34" charset="0"/>
               </a:rPr>
-              <a:t> </a:t>
-            </a:r>
-            <a:r>
-              <a:rPr lang="pt-BR" sz="1200" b="1">
-                <a:solidFill>
-                  <a:schemeClr val="bg2">
-                    <a:lumMod val="25000"/>
-                  </a:schemeClr>
-                </a:solidFill>
-                <a:latin typeface="Calibri" panose="020F0502020204030204" pitchFamily="34" charset="0"/>
-                <a:cs typeface="Calibri" panose="020F0502020204030204" pitchFamily="34" charset="0"/>
-              </a:rPr>
-              <a:t>R$3,003,333</a:t>
-            </a:r>
-            <a:r>
-              <a:rPr lang="pt-BR" sz="1200" dirty="0">
-                <a:solidFill>
-                  <a:schemeClr val="bg2">
-                    <a:lumMod val="25000"/>
-                  </a:schemeClr>
-                </a:solidFill>
-                <a:latin typeface="Calibri" panose="020F0502020204030204" pitchFamily="34" charset="0"/>
-                <a:cs typeface="Calibri" panose="020F0502020204030204" pitchFamily="34" charset="0"/>
-              </a:rPr>
-              <a:t> </a:t>
+              <a:t>R$7,508,333.333</a:t>
             </a:r>
             <a:endParaRPr lang="pt-BR" sz="1050" dirty="0">
               <a:solidFill>
@@ -7725,7 +7689,7 @@
               <a:t>SPI – </a:t>
             </a:r>
             <a:r>
-              <a:rPr lang="pt-BR" sz="1200" b="1">
+              <a:rPr lang="pt-BR" sz="1200" b="1" dirty="0">
                 <a:solidFill>
                   <a:schemeClr val="bg2">
                     <a:lumMod val="25000"/>
@@ -7737,7 +7701,7 @@
               <a:t>0.39</a:t>
             </a:r>
             <a:r>
-              <a:rPr lang="pt-BR" sz="1200">
+              <a:rPr lang="pt-BR" sz="1200" dirty="0">
                 <a:solidFill>
                   <a:schemeClr val="bg2">
                     <a:lumMod val="25000"/>
@@ -7780,10 +7744,10 @@
                 <a:latin typeface="Calibri" panose="020F0502020204030204" pitchFamily="34" charset="0"/>
                 <a:cs typeface="Calibri" panose="020F0502020204030204" pitchFamily="34" charset="0"/>
               </a:rPr>
-              <a:t>CPI </a:t>
-            </a:r>
-            <a:r>
-              <a:rPr lang="pt-BR" sz="1200">
+              <a:t>CPI – </a:t>
+            </a:r>
+            <a:r>
+              <a:rPr lang="pt-BR" sz="1200" b="1" dirty="0">
                 <a:solidFill>
                   <a:schemeClr val="bg2">
                     <a:lumMod val="25000"/>
@@ -7792,70 +7756,8 @@
                 <a:latin typeface="Calibri" panose="020F0502020204030204" pitchFamily="34" charset="0"/>
                 <a:cs typeface="Calibri" panose="020F0502020204030204" pitchFamily="34" charset="0"/>
               </a:rPr>
-              <a:t>– </a:t>
-            </a:r>
-            <a:r>
-              <a:rPr lang="pt-BR" sz="1200" b="1">
-                <a:solidFill>
-                  <a:schemeClr val="bg2">
-                    <a:lumMod val="25000"/>
-                  </a:schemeClr>
-                </a:solidFill>
-                <a:latin typeface="Calibri" panose="020F0502020204030204" pitchFamily="34" charset="0"/>
-                <a:cs typeface="Calibri" panose="020F0502020204030204" pitchFamily="34" charset="0"/>
-              </a:rPr>
-              <a:t>0.87</a:t>
-            </a:r>
-            <a:r>
-              <a:rPr lang="pt-BR" sz="1200">
-                <a:solidFill>
-                  <a:schemeClr val="bg2">
-                    <a:lumMod val="25000"/>
-                  </a:schemeClr>
-                </a:solidFill>
-                <a:latin typeface="Calibri" panose="020F0502020204030204" pitchFamily="34" charset="0"/>
-                <a:cs typeface="Calibri" panose="020F0502020204030204" pitchFamily="34" charset="0"/>
-              </a:rPr>
-              <a:t> </a:t>
-            </a:r>
-            <a:endParaRPr lang="pt-BR" sz="1200">
-              <a:solidFill>
-                <a:schemeClr val="bg2">
-                  <a:lumMod val="25000"/>
-                </a:schemeClr>
-              </a:solidFill>
-            </a:endParaRPr>
-          </a:p>
-        </p:txBody>
-      </p:sp>
-      <p:sp>
-        <p:nvSpPr>
-          <p:cNvPr id="13" name="CaixaDeTexto 12">
-            <a:extLst>
-              <a:ext uri="{FF2B5EF4-FFF2-40B4-BE49-F238E27FC236}">
-                <a16:creationId xmlns:a16="http://schemas.microsoft.com/office/drawing/2014/main" id="{6531C826-3D36-0C83-6252-8E8C57B139E3}"/>
-              </a:ext>
-            </a:extLst>
-          </p:cNvPr>
-          <p:cNvSpPr txBox="1"/>
-          <p:nvPr/>
-        </p:nvSpPr>
-        <p:spPr>
-          <a:xfrm>
-            <a:off x="1652257" y="4896142"/>
-            <a:ext cx="2068716" cy="646331"/>
-          </a:xfrm>
-          <a:prstGeom prst="rect">
-            <a:avLst/>
-          </a:prstGeom>
-          <a:noFill/>
-        </p:spPr>
-        <p:txBody>
-          <a:bodyPr wrap="square" rtlCol="0">
-            <a:spAutoFit/>
-          </a:bodyPr>
-          <a:lstStyle/>
-          <a:p>
+              <a:t>0.34</a:t>
+            </a:r>
             <a:r>
               <a:rPr lang="pt-BR" sz="1200" dirty="0">
                 <a:solidFill>
@@ -7866,10 +7768,48 @@
                 <a:latin typeface="Calibri" panose="020F0502020204030204" pitchFamily="34" charset="0"/>
                 <a:cs typeface="Calibri" panose="020F0502020204030204" pitchFamily="34" charset="0"/>
               </a:rPr>
-              <a:t>EAC – </a:t>
-            </a:r>
-            <a:r>
-              <a:rPr lang="pt-BR" sz="1200" b="1">
+              <a:t> </a:t>
+            </a:r>
+            <a:endParaRPr lang="pt-BR" sz="1200" dirty="0">
+              <a:solidFill>
+                <a:schemeClr val="bg2">
+                  <a:lumMod val="25000"/>
+                </a:schemeClr>
+              </a:solidFill>
+            </a:endParaRPr>
+          </a:p>
+        </p:txBody>
+      </p:sp>
+      <p:sp>
+        <p:nvSpPr>
+          <p:cNvPr id="13" name="CaixaDeTexto 12">
+            <a:extLst>
+              <a:ext uri="{FF2B5EF4-FFF2-40B4-BE49-F238E27FC236}">
+                <a16:creationId xmlns:a16="http://schemas.microsoft.com/office/drawing/2014/main" id="{6531C826-3D36-0C83-6252-8E8C57B139E3}"/>
+              </a:ext>
+            </a:extLst>
+          </p:cNvPr>
+          <p:cNvSpPr txBox="1"/>
+          <p:nvPr/>
+        </p:nvSpPr>
+        <p:spPr>
+          <a:xfrm>
+            <a:off x="1652257" y="4896142"/>
+            <a:ext cx="2068716" cy="646331"/>
+          </a:xfrm>
+          <a:prstGeom prst="rect">
+            <a:avLst/>
+          </a:prstGeom>
+          <a:noFill/>
+        </p:spPr>
+        <p:txBody>
+          <a:bodyPr wrap="square" rtlCol="0">
+            <a:spAutoFit/>
+          </a:bodyPr>
+          <a:lstStyle/>
+          <a:p>
+            <a:r>
+              <a:rPr lang="pt-BR" sz="1200" dirty="0">
                 <a:solidFill>
                   <a:schemeClr val="bg2">
                     <a:lumMod val="25000"/>
@@ -7878,10 +7818,22 @@
                 <a:latin typeface="Calibri" panose="020F0502020204030204" pitchFamily="34" charset="0"/>
                 <a:cs typeface="Calibri" panose="020F0502020204030204" pitchFamily="34" charset="0"/>
               </a:rPr>
-              <a:t>R$ 2,873,563 </a:t>
-            </a:r>
-            <a:r>
-              <a:rPr lang="pt-BR" sz="1200">
+              <a:t>EAC – </a:t>
+            </a:r>
+            <a:r>
+              <a:rPr lang="pt-BR" sz="1200" b="1" dirty="0">
+                <a:solidFill>
+                  <a:schemeClr val="bg2">
+                    <a:lumMod val="25000"/>
+                  </a:schemeClr>
+                </a:solidFill>
+                <a:latin typeface="Calibri" panose="020F0502020204030204" pitchFamily="34" charset="0"/>
+                <a:cs typeface="Calibri" panose="020F0502020204030204" pitchFamily="34" charset="0"/>
+              </a:rPr>
+              <a:t>R$ 7,352,941.17 </a:t>
+            </a:r>
+            <a:r>
+              <a:rPr lang="pt-BR" sz="1200" dirty="0">
                 <a:solidFill>
                   <a:schemeClr val="bg2">
                     <a:lumMod val="25000"/>
@@ -7924,10 +7876,10 @@
                 <a:latin typeface="Calibri" panose="020F0502020204030204" pitchFamily="34" charset="0"/>
                 <a:cs typeface="Calibri" panose="020F0502020204030204" pitchFamily="34" charset="0"/>
               </a:rPr>
-              <a:t>ETC  - </a:t>
-            </a:r>
-            <a:r>
-              <a:rPr lang="pt-BR" sz="1200">
+              <a:t>ETC  -  </a:t>
+            </a:r>
+            <a:r>
+              <a:rPr lang="pt-BR" sz="1200" b="1" dirty="0">
                 <a:solidFill>
                   <a:schemeClr val="bg2">
                     <a:lumMod val="25000"/>
@@ -7936,21 +7888,9 @@
                 <a:latin typeface="Calibri" panose="020F0502020204030204" pitchFamily="34" charset="0"/>
                 <a:cs typeface="Calibri" panose="020F0502020204030204" pitchFamily="34" charset="0"/>
               </a:rPr>
-              <a:t> </a:t>
-            </a:r>
-            <a:r>
-              <a:rPr lang="pt-BR" sz="1200" b="1">
-                <a:solidFill>
-                  <a:schemeClr val="bg2">
-                    <a:lumMod val="25000"/>
-                  </a:schemeClr>
-                </a:solidFill>
-                <a:latin typeface="Calibri" panose="020F0502020204030204" pitchFamily="34" charset="0"/>
-                <a:cs typeface="Calibri" panose="020F0502020204030204" pitchFamily="34" charset="0"/>
-              </a:rPr>
-              <a:t>R$ 2.499.813 </a:t>
-            </a:r>
-            <a:endParaRPr lang="pt-BR" sz="1200" b="1">
+              <a:t>R$ 6,395,566.17 </a:t>
+            </a:r>
+            <a:endParaRPr lang="pt-BR" sz="1200" b="1" dirty="0">
               <a:solidFill>
                 <a:schemeClr val="bg2">
                   <a:lumMod val="25000"/>
@@ -8983,7 +8923,7 @@
           <a:lstStyle/>
           <a:p>
             <a:r>
-              <a:rPr lang="pt-BR" sz="1200">
+              <a:rPr lang="pt-BR" sz="1200" dirty="0">
                 <a:solidFill>
                   <a:schemeClr val="bg2">
                     <a:lumMod val="25000"/>
@@ -8995,7 +8935,7 @@
               <a:t>SPI – </a:t>
             </a:r>
             <a:r>
-              <a:rPr lang="pt-BR" sz="1200" b="1">
+              <a:rPr lang="pt-BR" sz="1200" b="1" dirty="0">
                 <a:solidFill>
                   <a:srgbClr val="000000"/>
                 </a:solidFill>
@@ -9005,19 +8945,19 @@
               <a:t>1.31</a:t>
             </a:r>
             <a:br>
-              <a:rPr lang="pt-BR" sz="1200">
+              <a:rPr lang="pt-BR" sz="1200" dirty="0">
                 <a:latin typeface="Calibri" panose="020F0502020204030204" pitchFamily="34" charset="0"/>
                 <a:cs typeface="Calibri" panose="020F0502020204030204" pitchFamily="34" charset="0"/>
               </a:rPr>
             </a:br>
             <a:br>
-              <a:rPr lang="pt-BR" sz="1200">
+              <a:rPr lang="pt-BR" sz="1200" dirty="0">
                 <a:latin typeface="Calibri" panose="020F0502020204030204" pitchFamily="34" charset="0"/>
                 <a:cs typeface="Calibri" panose="020F0502020204030204" pitchFamily="34" charset="0"/>
               </a:rPr>
             </a:br>
             <a:r>
-              <a:rPr lang="pt-BR" sz="1200">
+              <a:rPr lang="pt-BR" sz="1200" dirty="0">
                 <a:solidFill>
                   <a:schemeClr val="bg2">
                     <a:lumMod val="25000"/>
@@ -9029,7 +8969,7 @@
               <a:t>CPI -</a:t>
             </a:r>
             <a:r>
-              <a:rPr lang="pt-BR" sz="1200" b="1">
+              <a:rPr lang="pt-BR" sz="1200" b="1" dirty="0">
                 <a:solidFill>
                   <a:schemeClr val="bg2">
                     <a:lumMod val="25000"/>
@@ -9041,16 +8981,16 @@
               <a:t> </a:t>
             </a:r>
             <a:r>
-              <a:rPr lang="pt-BR" sz="1200" b="1">
+              <a:rPr lang="pt-BR" sz="1200" b="1" dirty="0">
                 <a:solidFill>
                   <a:srgbClr val="000000"/>
                 </a:solidFill>
                 <a:latin typeface="Aptos"/>
                 <a:cs typeface="Calibri"/>
               </a:rPr>
-              <a:t>0.94</a:t>
-            </a:r>
-            <a:endParaRPr lang="pt-BR" sz="1200" b="1">
+              <a:t>1.24</a:t>
+            </a:r>
+            <a:endParaRPr lang="pt-BR" sz="1200" b="1" dirty="0">
               <a:solidFill>
                 <a:schemeClr val="bg2">
                   <a:lumMod val="25000"/>
@@ -9076,8 +9016,8 @@
         </p:nvSpPr>
         <p:spPr>
           <a:xfrm>
-            <a:off x="1683572" y="4896142"/>
-            <a:ext cx="1466350" cy="646331"/>
+            <a:off x="1565740" y="4901903"/>
+            <a:ext cx="1964972" cy="646331"/>
           </a:xfrm>
           <a:prstGeom prst="rect">
             <a:avLst/>
@@ -9091,7 +9031,7 @@
           <a:lstStyle/>
           <a:p>
             <a:r>
-              <a:rPr lang="pt-BR" sz="1200">
+              <a:rPr lang="pt-BR" sz="1200" dirty="0">
                 <a:solidFill>
                   <a:schemeClr val="bg2">
                     <a:lumMod val="25000"/>
@@ -9103,29 +9043,29 @@
               <a:t>EAC – </a:t>
             </a:r>
             <a:r>
-              <a:rPr lang="pt-BR" sz="1200" b="1">
+              <a:rPr lang="pt-BR" sz="1200" b="1" dirty="0">
                 <a:solidFill>
                   <a:srgbClr val="000000"/>
                 </a:solidFill>
                 <a:latin typeface="Aptos"/>
                 <a:cs typeface="Calibri"/>
               </a:rPr>
-              <a:t>R$ 2,127,659</a:t>
+              <a:t>R$1,612,903.22</a:t>
             </a:r>
             <a:br>
-              <a:rPr lang="pt-BR" sz="1200">
+              <a:rPr lang="pt-BR" sz="1200" dirty="0">
                 <a:latin typeface="Calibri" panose="020F0502020204030204" pitchFamily="34" charset="0"/>
                 <a:cs typeface="Calibri" panose="020F0502020204030204" pitchFamily="34" charset="0"/>
               </a:rPr>
             </a:br>
             <a:br>
-              <a:rPr lang="pt-BR" sz="1200">
+              <a:rPr lang="pt-BR" sz="1200" dirty="0">
                 <a:latin typeface="Calibri" panose="020F0502020204030204" pitchFamily="34" charset="0"/>
                 <a:cs typeface="Calibri" panose="020F0502020204030204" pitchFamily="34" charset="0"/>
               </a:rPr>
             </a:br>
             <a:r>
-              <a:rPr lang="pt-BR" sz="1200">
+              <a:rPr lang="pt-BR" sz="1200" dirty="0">
                 <a:solidFill>
                   <a:schemeClr val="bg2">
                     <a:lumMod val="25000"/>
@@ -9137,16 +9077,16 @@
               <a:t>ETC  - </a:t>
             </a:r>
             <a:r>
-              <a:rPr lang="pt-BR" sz="1200" b="1">
+              <a:rPr lang="pt-BR" sz="1200" b="1" dirty="0">
                 <a:solidFill>
                   <a:srgbClr val="000000"/>
                 </a:solidFill>
                 <a:latin typeface="Aptos"/>
                 <a:cs typeface="Calibri"/>
               </a:rPr>
-              <a:t>R$ 1,682,459</a:t>
-            </a:r>
-            <a:endParaRPr lang="pt-BR" sz="1200" b="1">
+              <a:t>R$ 1,274,703.22</a:t>
+            </a:r>
+            <a:endParaRPr lang="pt-BR" sz="1200" b="1" dirty="0">
               <a:solidFill>
                 <a:schemeClr val="bg2">
                   <a:lumMod val="25000"/>
@@ -9558,11 +9498,11 @@
               <a:avLst/>
             </a:prstGeom>
             <a:solidFill>
-              <a:srgbClr val="FFFF00"/>
+              <a:srgbClr val="00B050"/>
             </a:solidFill>
             <a:ln>
               <a:solidFill>
-                <a:srgbClr val="FFFF00"/>
+                <a:srgbClr val="00B050"/>
               </a:solidFill>
             </a:ln>
           </p:spPr>
@@ -12190,15 +12130,6 @@
 </file>
 
 <file path=customXml/item1.xml><?xml version="1.0" encoding="utf-8"?>
-<?mso-contentType ?>
-<FormTemplates xmlns="http://schemas.microsoft.com/sharepoint/v3/contenttype/forms">
-  <Display>DocumentLibraryForm</Display>
-  <Edit>DocumentLibraryForm</Edit>
-  <New>DocumentLibraryForm</New>
-</FormTemplates>
-</file>
-
-<file path=customXml/item2.xml><?xml version="1.0" encoding="utf-8"?>
 <ct:contentTypeSchema xmlns:ct="http://schemas.microsoft.com/office/2006/metadata/contentType" xmlns:ma="http://schemas.microsoft.com/office/2006/metadata/properties/metaAttributes" ct:_="" ma:_="" ma:contentTypeName="Document" ma:contentTypeID="0x010100847B1764C843A44CB4D4DF68CCE2CA2A" ma:contentTypeVersion="6" ma:contentTypeDescription="Create a new document." ma:contentTypeScope="" ma:versionID="b224c26434eadd0b057505fb524a5f13">
   <xsd:schema xmlns:xsd="http://www.w3.org/2001/XMLSchema" xmlns:xs="http://www.w3.org/2001/XMLSchema" xmlns:p="http://schemas.microsoft.com/office/2006/metadata/properties" xmlns:ns3="a81b53cc-bce2-474e-befd-b69d610a9aac" targetNamespace="http://schemas.microsoft.com/office/2006/metadata/properties" ma:root="true" ma:fieldsID="0cdd580f3aebd17dafdc208015e8c814" ns3:_="">
     <xsd:import namespace="a81b53cc-bce2-474e-befd-b69d610a9aac"/>
@@ -12354,6 +12285,15 @@
 </ct:contentTypeSchema>
 </file>
 
+<file path=customXml/item2.xml><?xml version="1.0" encoding="utf-8"?>
+<?mso-contentType ?>
+<FormTemplates xmlns="http://schemas.microsoft.com/sharepoint/v3/contenttype/forms">
+  <Display>DocumentLibraryForm</Display>
+  <Edit>DocumentLibraryForm</Edit>
+  <New>DocumentLibraryForm</New>
+</FormTemplates>
+</file>
+
 <file path=customXml/item3.xml><?xml version="1.0" encoding="utf-8"?>
 <p:properties xmlns:p="http://schemas.microsoft.com/office/2006/metadata/properties" xmlns:xsi="http://www.w3.org/2001/XMLSchema-instance" xmlns:pc="http://schemas.microsoft.com/office/infopath/2007/PartnerControls">
   <documentManagement>
@@ -12363,14 +12303,6 @@
 </file>
 
 <file path=customXml/itemProps1.xml><?xml version="1.0" encoding="utf-8"?>
-<ds:datastoreItem xmlns:ds="http://schemas.openxmlformats.org/officeDocument/2006/customXml" ds:itemID="{D05ECC70-4704-4D53-A5D3-55BA7FC35473}">
-  <ds:schemaRefs>
-    <ds:schemaRef ds:uri="http://schemas.microsoft.com/sharepoint/v3/contenttype/forms"/>
-  </ds:schemaRefs>
-</ds:datastoreItem>
-</file>
-
-<file path=customXml/itemProps2.xml><?xml version="1.0" encoding="utf-8"?>
 <ds:datastoreItem xmlns:ds="http://schemas.openxmlformats.org/officeDocument/2006/customXml" ds:itemID="{336D4CBF-6F0A-46D2-8536-7F13A63DD169}">
   <ds:schemaRefs>
     <ds:schemaRef ds:uri="http://schemas.microsoft.com/office/2006/metadata/contentType"/>
@@ -12384,6 +12316,14 @@
     <ds:schemaRef ds:uri="http://purl.org/dc/elements/1.1/"/>
     <ds:schemaRef ds:uri="http://purl.org/dc/terms/"/>
     <ds:schemaRef ds:uri="http://schemas.microsoft.com/internal/obd"/>
+  </ds:schemaRefs>
+</ds:datastoreItem>
+</file>
+
+<file path=customXml/itemProps2.xml><?xml version="1.0" encoding="utf-8"?>
+<ds:datastoreItem xmlns:ds="http://schemas.openxmlformats.org/officeDocument/2006/customXml" ds:itemID="{D05ECC70-4704-4D53-A5D3-55BA7FC35473}">
+  <ds:schemaRefs>
+    <ds:schemaRef ds:uri="http://schemas.microsoft.com/sharepoint/v3/contenttype/forms"/>
   </ds:schemaRefs>
 </ds:datastoreItem>
 </file>
